--- a/doc/pres.pptx
+++ b/doc/pres.pptx
@@ -121,6 +121,11 @@
       </a:defRPr>
     </a:lvl9pPr>
   </p:defaultTextStyle>
+  <p:extLst>
+    <p:ext uri="{EFAFB233-063F-42B5-8137-9DF3F51BA10A}">
+      <p15:sldGuideLst xmlns:p15="http://schemas.microsoft.com/office/powerpoint/2012/main"/>
+    </p:ext>
+  </p:extLst>
 </p:presentation>
 </file>
 
@@ -1316,7 +1321,7 @@
                 <a:ea typeface="+mn-ea"/>
                 <a:cs typeface="+mn-cs"/>
               </a:rPr>
-              <a:t>Render pass: Leírja az egyes attachment-ek (pl colorbuffer, framebuffer) típusát, használatát, és hogy hogyan kell ezeket kezelni</a:t>
+              <a:t>Render pass: Leírja az egyes attachment-ek (pl colorbuffer, framebuffer) típusát, használatát, és hogy hogyan kell ezeket kezelni egy renderelési lépésnél</a:t>
             </a:r>
           </a:p>
           <a:p>
@@ -6459,13 +6464,13 @@
           <a:p>
             <a:r>
               <a:rPr lang="hu-HU" sz="2400" dirty="0"/>
+              <a:t>Driver által biztosított hibakezelés</a:t>
+            </a:r>
+          </a:p>
+          <a:p>
+            <a:r>
+              <a:rPr lang="hu-HU" sz="2400" dirty="0"/>
               <a:t>Driver által biztosított memória kezezés</a:t>
-            </a:r>
-          </a:p>
-          <a:p>
-            <a:r>
-              <a:rPr lang="hu-HU" sz="2400" dirty="0"/>
-              <a:t>Driver által biztosított hibakezelés</a:t>
             </a:r>
           </a:p>
           <a:p>
@@ -6703,13 +6708,13 @@
           <a:p>
             <a:r>
               <a:rPr lang="hu-HU" sz="2400" dirty="0"/>
+              <a:t>Validációs layer-ek opcionális használata a hibakezelésre</a:t>
+            </a:r>
+          </a:p>
+          <a:p>
+            <a:r>
+              <a:rPr lang="hu-HU" sz="2400" dirty="0"/>
               <a:t>Explicit memóriakezelés az alkalmazásban</a:t>
-            </a:r>
-          </a:p>
-          <a:p>
-            <a:r>
-              <a:rPr lang="hu-HU" sz="2400" dirty="0"/>
-              <a:t>Validációs layer-ek opcionális használata a hibakezelésre</a:t>
             </a:r>
           </a:p>
           <a:p>
@@ -7248,7 +7253,7 @@
           <a:p>
             <a:r>
               <a:rPr lang="hu-HU" dirty="0"/>
-              <a:t>A queueükba beküldött parancsok aszinkron futnak, így szinkronizációra is szükség van a helyes végrehajtáshoz</a:t>
+              <a:t>A queue-kba beküldött parancsok aszinkron futnak, így szinkronizációra is szükség van a helyes végrehajtáshoz</a:t>
             </a:r>
           </a:p>
           <a:p>
